--- a/drafts/1200x1200.pptx
+++ b/drafts/1200x1200.pptx
@@ -104,6 +104,11 @@
       </a:defRPr>
     </a:lvl9pPr>
   </p:defaultTextStyle>
+  <p:extLst>
+    <p:ext uri="{EFAFB233-063F-42B5-8137-9DF3F51BA10A}">
+      <p15:sldGuideLst xmlns:p15="http://schemas.microsoft.com/office/powerpoint/2012/main"/>
+    </p:ext>
+  </p:extLst>
 </p:presentation>
 </file>
 
@@ -238,7 +243,7 @@
           <a:p>
             <a:fld id="{AD2D8FE0-C42C-4AC8-B374-AB5508F5959C}" type="datetimeFigureOut">
               <a:rPr lang="en-US" smtClean="0"/>
-              <a:t>4/27/2018</a:t>
+              <a:t>5/3/2018</a:t>
             </a:fld>
             <a:endParaRPr lang="en-US"/>
           </a:p>
@@ -408,7 +413,7 @@
           <a:p>
             <a:fld id="{AD2D8FE0-C42C-4AC8-B374-AB5508F5959C}" type="datetimeFigureOut">
               <a:rPr lang="en-US" smtClean="0"/>
-              <a:t>4/27/2018</a:t>
+              <a:t>5/3/2018</a:t>
             </a:fld>
             <a:endParaRPr lang="en-US"/>
           </a:p>
@@ -588,7 +593,7 @@
           <a:p>
             <a:fld id="{AD2D8FE0-C42C-4AC8-B374-AB5508F5959C}" type="datetimeFigureOut">
               <a:rPr lang="en-US" smtClean="0"/>
-              <a:t>4/27/2018</a:t>
+              <a:t>5/3/2018</a:t>
             </a:fld>
             <a:endParaRPr lang="en-US"/>
           </a:p>
@@ -758,7 +763,7 @@
           <a:p>
             <a:fld id="{AD2D8FE0-C42C-4AC8-B374-AB5508F5959C}" type="datetimeFigureOut">
               <a:rPr lang="en-US" smtClean="0"/>
-              <a:t>4/27/2018</a:t>
+              <a:t>5/3/2018</a:t>
             </a:fld>
             <a:endParaRPr lang="en-US"/>
           </a:p>
@@ -1002,7 +1007,7 @@
           <a:p>
             <a:fld id="{AD2D8FE0-C42C-4AC8-B374-AB5508F5959C}" type="datetimeFigureOut">
               <a:rPr lang="en-US" smtClean="0"/>
-              <a:t>4/27/2018</a:t>
+              <a:t>5/3/2018</a:t>
             </a:fld>
             <a:endParaRPr lang="en-US"/>
           </a:p>
@@ -1234,7 +1239,7 @@
           <a:p>
             <a:fld id="{AD2D8FE0-C42C-4AC8-B374-AB5508F5959C}" type="datetimeFigureOut">
               <a:rPr lang="en-US" smtClean="0"/>
-              <a:t>4/27/2018</a:t>
+              <a:t>5/3/2018</a:t>
             </a:fld>
             <a:endParaRPr lang="en-US"/>
           </a:p>
@@ -1601,7 +1606,7 @@
           <a:p>
             <a:fld id="{AD2D8FE0-C42C-4AC8-B374-AB5508F5959C}" type="datetimeFigureOut">
               <a:rPr lang="en-US" smtClean="0"/>
-              <a:t>4/27/2018</a:t>
+              <a:t>5/3/2018</a:t>
             </a:fld>
             <a:endParaRPr lang="en-US"/>
           </a:p>
@@ -1719,7 +1724,7 @@
           <a:p>
             <a:fld id="{AD2D8FE0-C42C-4AC8-B374-AB5508F5959C}" type="datetimeFigureOut">
               <a:rPr lang="en-US" smtClean="0"/>
-              <a:t>4/27/2018</a:t>
+              <a:t>5/3/2018</a:t>
             </a:fld>
             <a:endParaRPr lang="en-US"/>
           </a:p>
@@ -1814,7 +1819,7 @@
           <a:p>
             <a:fld id="{AD2D8FE0-C42C-4AC8-B374-AB5508F5959C}" type="datetimeFigureOut">
               <a:rPr lang="en-US" smtClean="0"/>
-              <a:t>4/27/2018</a:t>
+              <a:t>5/3/2018</a:t>
             </a:fld>
             <a:endParaRPr lang="en-US"/>
           </a:p>
@@ -2091,7 +2096,7 @@
           <a:p>
             <a:fld id="{AD2D8FE0-C42C-4AC8-B374-AB5508F5959C}" type="datetimeFigureOut">
               <a:rPr lang="en-US" smtClean="0"/>
-              <a:t>4/27/2018</a:t>
+              <a:t>5/3/2018</a:t>
             </a:fld>
             <a:endParaRPr lang="en-US"/>
           </a:p>
@@ -2348,7 +2353,7 @@
           <a:p>
             <a:fld id="{AD2D8FE0-C42C-4AC8-B374-AB5508F5959C}" type="datetimeFigureOut">
               <a:rPr lang="en-US" smtClean="0"/>
-              <a:t>4/27/2018</a:t>
+              <a:t>5/3/2018</a:t>
             </a:fld>
             <a:endParaRPr lang="en-US"/>
           </a:p>
@@ -2561,7 +2566,7 @@
           <a:p>
             <a:fld id="{AD2D8FE0-C42C-4AC8-B374-AB5508F5959C}" type="datetimeFigureOut">
               <a:rPr lang="en-US" smtClean="0"/>
-              <a:t>4/27/2018</a:t>
+              <a:t>5/3/2018</a:t>
             </a:fld>
             <a:endParaRPr lang="en-US"/>
           </a:p>
@@ -2982,12 +2987,21 @@
             <p:ph type="ctrTitle"/>
           </p:nvPr>
         </p:nvSpPr>
-        <p:spPr/>
-        <p:txBody>
-          <a:bodyPr/>
-          <a:lstStyle/>
-          <a:p>
-            <a:endParaRPr lang="en-US"/>
+        <p:spPr>
+          <a:xfrm>
+            <a:off x="857250" y="294593"/>
+            <a:ext cx="9715500" cy="2372408"/>
+          </a:xfrm>
+        </p:spPr>
+        <p:txBody>
+          <a:bodyPr/>
+          <a:lstStyle/>
+          <a:p>
+            <a:r>
+              <a:rPr lang="en-US" sz="8000" dirty="0"/>
+              <a:t>Power Users Guide to Outlook 2016 Search</a:t>
+            </a:r>
+            <a:endParaRPr lang="en-US" dirty="0"/>
           </a:p>
         </p:txBody>
       </p:sp>
@@ -3007,12 +3021,20 @@
             <p:ph type="subTitle" idx="1"/>
           </p:nvPr>
         </p:nvSpPr>
-        <p:spPr/>
-        <p:txBody>
-          <a:bodyPr/>
-          <a:lstStyle/>
-          <a:p>
-            <a:endParaRPr lang="en-US"/>
+        <p:spPr>
+          <a:xfrm>
+            <a:off x="857250" y="3210608"/>
+            <a:ext cx="9715500" cy="4854869"/>
+          </a:xfrm>
+        </p:spPr>
+        <p:txBody>
+          <a:bodyPr/>
+          <a:lstStyle/>
+          <a:p>
+            <a:r>
+              <a:rPr lang="en-US" sz="3200" dirty="0"/>
+              <a:t>Manage your inbox with ease with Microsoft Outlook 2016 search.</a:t>
+            </a:r>
           </a:p>
         </p:txBody>
       </p:sp>
@@ -3050,6 +3072,53 @@
           <a:prstGeom prst="rect">
             <a:avLst/>
           </a:prstGeom>
+        </p:spPr>
+      </p:pic>
+      <p:pic>
+        <p:nvPicPr>
+          <p:cNvPr id="1026" name="Picture 2" descr="See the source image">
+            <a:extLst>
+              <a:ext uri="{FF2B5EF4-FFF2-40B4-BE49-F238E27FC236}">
+                <a16:creationId xmlns:a16="http://schemas.microsoft.com/office/drawing/2014/main" id="{360AFD0F-C2BE-4940-B8AF-B1CC9515F6AF}"/>
+              </a:ext>
+            </a:extLst>
+          </p:cNvPr>
+          <p:cNvPicPr>
+            <a:picLocks noChangeAspect="1" noChangeArrowheads="1"/>
+          </p:cNvPicPr>
+          <p:nvPr/>
+        </p:nvPicPr>
+        <p:blipFill>
+          <a:blip r:embed="rId3">
+            <a:extLst>
+              <a:ext uri="{28A0092B-C50C-407E-A947-70E740481C1C}">
+                <a14:useLocalDpi xmlns:a14="http://schemas.microsoft.com/office/drawing/2010/main" val="0"/>
+              </a:ext>
+            </a:extLst>
+          </a:blip>
+          <a:srcRect/>
+          <a:stretch>
+            <a:fillRect/>
+          </a:stretch>
+        </p:blipFill>
+        <p:spPr bwMode="auto">
+          <a:xfrm>
+            <a:off x="857250" y="4528797"/>
+            <a:ext cx="6315809" cy="6378095"/>
+          </a:xfrm>
+          <a:prstGeom prst="rect">
+            <a:avLst/>
+          </a:prstGeom>
+          <a:noFill/>
+          <a:extLst>
+            <a:ext uri="{909E8E84-426E-40DD-AFC4-6F175D3DCCD1}">
+              <a14:hiddenFill xmlns:a14="http://schemas.microsoft.com/office/drawing/2010/main">
+                <a:solidFill>
+                  <a:srgbClr val="FFFFFF"/>
+                </a:solidFill>
+              </a14:hiddenFill>
+            </a:ext>
+          </a:extLst>
         </p:spPr>
       </p:pic>
     </p:spTree>
